--- a/ppt 16-9/1015.耶和华我们的依.pptx
+++ b/ppt 16-9/1015.耶和华我们的依.pptx
@@ -5,7 +5,7 @@
     <p:sldMasterId id="2147483648" r:id="rId1"/>
   </p:sldMasterIdLst>
   <p:sldIdLst>
-    <p:sldId id="434" r:id="rId2"/>
+    <p:sldId id="435" r:id="rId2"/>
   </p:sldIdLst>
   <p:sldSz cx="12192000" cy="6858000"/>
   <p:notesSz cx="6858000" cy="9144000"/>
@@ -129,7 +129,7 @@
           <p:cNvPr id="2" name="标题 1">
             <a:extLst>
               <a:ext uri="{FF2B5EF4-FFF2-40B4-BE49-F238E27FC236}">
-                <a16:creationId xmlns:a16="http://schemas.microsoft.com/office/drawing/2014/main" id="{D8B87763-23B9-0888-0772-BFE4FD88F4B5}"/>
+                <a16:creationId xmlns:a16="http://schemas.microsoft.com/office/drawing/2014/main" id="{8D112BA4-DD5B-B610-0E34-D45301E91B39}"/>
               </a:ext>
             </a:extLst>
           </p:cNvPr>
@@ -166,7 +166,7 @@
           <p:cNvPr id="3" name="副标题 2">
             <a:extLst>
               <a:ext uri="{FF2B5EF4-FFF2-40B4-BE49-F238E27FC236}">
-                <a16:creationId xmlns:a16="http://schemas.microsoft.com/office/drawing/2014/main" id="{731B5499-665A-2B47-5CD5-A08E30A400BB}"/>
+                <a16:creationId xmlns:a16="http://schemas.microsoft.com/office/drawing/2014/main" id="{835899F3-2187-12C3-C99F-6AD2BE58C237}"/>
               </a:ext>
             </a:extLst>
           </p:cNvPr>
@@ -236,7 +236,7 @@
           <p:cNvPr id="4" name="日期占位符 3">
             <a:extLst>
               <a:ext uri="{FF2B5EF4-FFF2-40B4-BE49-F238E27FC236}">
-                <a16:creationId xmlns:a16="http://schemas.microsoft.com/office/drawing/2014/main" id="{AC73F60F-FAE9-CE1C-D6CA-E1398EB4C379}"/>
+                <a16:creationId xmlns:a16="http://schemas.microsoft.com/office/drawing/2014/main" id="{A9EAF660-E5DE-3961-68EE-A0E91F9E2BA9}"/>
               </a:ext>
             </a:extLst>
           </p:cNvPr>
@@ -252,7 +252,7 @@
           <a:bodyPr/>
           <a:lstStyle/>
           <a:p>
-            <a:fld id="{9A3C18BC-E5F9-4562-8C4A-6E1397AB138B}" type="datetimeFigureOut">
+            <a:fld id="{C3FF72D7-0798-4B37-B3CB-2C45B2FDADAC}" type="datetimeFigureOut">
               <a:rPr lang="zh-CN" altLang="en-US" smtClean="0"/>
               <a:t>2024/3/10</a:t>
             </a:fld>
@@ -265,7 +265,7 @@
           <p:cNvPr id="5" name="页脚占位符 4">
             <a:extLst>
               <a:ext uri="{FF2B5EF4-FFF2-40B4-BE49-F238E27FC236}">
-                <a16:creationId xmlns:a16="http://schemas.microsoft.com/office/drawing/2014/main" id="{C90E6825-1211-3D68-30C6-64864F80E8B4}"/>
+                <a16:creationId xmlns:a16="http://schemas.microsoft.com/office/drawing/2014/main" id="{16091D21-A399-9713-24A5-B269E3DD3575}"/>
               </a:ext>
             </a:extLst>
           </p:cNvPr>
@@ -290,7 +290,7 @@
           <p:cNvPr id="6" name="灯片编号占位符 5">
             <a:extLst>
               <a:ext uri="{FF2B5EF4-FFF2-40B4-BE49-F238E27FC236}">
-                <a16:creationId xmlns:a16="http://schemas.microsoft.com/office/drawing/2014/main" id="{1F3B92E4-0D93-C84E-8CCE-858393940657}"/>
+                <a16:creationId xmlns:a16="http://schemas.microsoft.com/office/drawing/2014/main" id="{3D8393CF-3290-5BBA-D4D3-4C73A0CE207D}"/>
               </a:ext>
             </a:extLst>
           </p:cNvPr>
@@ -306,7 +306,7 @@
           <a:bodyPr/>
           <a:lstStyle/>
           <a:p>
-            <a:fld id="{0D25765B-74A4-49CF-BCDF-3D24EB30908F}" type="slidenum">
+            <a:fld id="{C8CD9F3A-CDAC-44F2-A6FD-2E95A2A51136}" type="slidenum">
               <a:rPr lang="zh-CN" altLang="en-US" smtClean="0"/>
               <a:t>‹#›</a:t>
             </a:fld>
@@ -317,7 +317,7 @@
     </p:spTree>
     <p:extLst>
       <p:ext uri="{BB962C8B-B14F-4D97-AF65-F5344CB8AC3E}">
-        <p14:creationId xmlns:p14="http://schemas.microsoft.com/office/powerpoint/2010/main" val="4260367595"/>
+        <p14:creationId xmlns:p14="http://schemas.microsoft.com/office/powerpoint/2010/main" val="2193484533"/>
       </p:ext>
     </p:extLst>
   </p:cSld>
@@ -349,7 +349,7 @@
           <p:cNvPr id="2" name="标题 1">
             <a:extLst>
               <a:ext uri="{FF2B5EF4-FFF2-40B4-BE49-F238E27FC236}">
-                <a16:creationId xmlns:a16="http://schemas.microsoft.com/office/drawing/2014/main" id="{EE2F28E7-473E-7058-9D0E-B9DD007E4D12}"/>
+                <a16:creationId xmlns:a16="http://schemas.microsoft.com/office/drawing/2014/main" id="{133E060B-0842-5C73-6207-95DEEF06BAFF}"/>
               </a:ext>
             </a:extLst>
           </p:cNvPr>
@@ -377,7 +377,7 @@
           <p:cNvPr id="3" name="竖排文字占位符 2">
             <a:extLst>
               <a:ext uri="{FF2B5EF4-FFF2-40B4-BE49-F238E27FC236}">
-                <a16:creationId xmlns:a16="http://schemas.microsoft.com/office/drawing/2014/main" id="{C02277EF-9FED-FBC4-876B-8CB527154354}"/>
+                <a16:creationId xmlns:a16="http://schemas.microsoft.com/office/drawing/2014/main" id="{08E4204E-D751-5503-E0B8-90154B7D8809}"/>
               </a:ext>
             </a:extLst>
           </p:cNvPr>
@@ -434,7 +434,7 @@
           <p:cNvPr id="4" name="日期占位符 3">
             <a:extLst>
               <a:ext uri="{FF2B5EF4-FFF2-40B4-BE49-F238E27FC236}">
-                <a16:creationId xmlns:a16="http://schemas.microsoft.com/office/drawing/2014/main" id="{2BD0B77A-5124-B6EB-E751-B64FCC694696}"/>
+                <a16:creationId xmlns:a16="http://schemas.microsoft.com/office/drawing/2014/main" id="{3ABD3658-2B43-849E-440C-7D6CA745E941}"/>
               </a:ext>
             </a:extLst>
           </p:cNvPr>
@@ -450,7 +450,7 @@
           <a:bodyPr/>
           <a:lstStyle/>
           <a:p>
-            <a:fld id="{9A3C18BC-E5F9-4562-8C4A-6E1397AB138B}" type="datetimeFigureOut">
+            <a:fld id="{C3FF72D7-0798-4B37-B3CB-2C45B2FDADAC}" type="datetimeFigureOut">
               <a:rPr lang="zh-CN" altLang="en-US" smtClean="0"/>
               <a:t>2024/3/10</a:t>
             </a:fld>
@@ -463,7 +463,7 @@
           <p:cNvPr id="5" name="页脚占位符 4">
             <a:extLst>
               <a:ext uri="{FF2B5EF4-FFF2-40B4-BE49-F238E27FC236}">
-                <a16:creationId xmlns:a16="http://schemas.microsoft.com/office/drawing/2014/main" id="{46C285A7-E79C-CB61-9D18-73B89DD2B898}"/>
+                <a16:creationId xmlns:a16="http://schemas.microsoft.com/office/drawing/2014/main" id="{23799958-AFA0-3ACF-89A2-AF4FC0AC85A9}"/>
               </a:ext>
             </a:extLst>
           </p:cNvPr>
@@ -488,7 +488,7 @@
           <p:cNvPr id="6" name="灯片编号占位符 5">
             <a:extLst>
               <a:ext uri="{FF2B5EF4-FFF2-40B4-BE49-F238E27FC236}">
-                <a16:creationId xmlns:a16="http://schemas.microsoft.com/office/drawing/2014/main" id="{1A95FC81-EE86-3872-429A-3A15FBE44FDF}"/>
+                <a16:creationId xmlns:a16="http://schemas.microsoft.com/office/drawing/2014/main" id="{806B0DC5-B705-95AC-298E-BA9339C9573F}"/>
               </a:ext>
             </a:extLst>
           </p:cNvPr>
@@ -504,7 +504,7 @@
           <a:bodyPr/>
           <a:lstStyle/>
           <a:p>
-            <a:fld id="{0D25765B-74A4-49CF-BCDF-3D24EB30908F}" type="slidenum">
+            <a:fld id="{C8CD9F3A-CDAC-44F2-A6FD-2E95A2A51136}" type="slidenum">
               <a:rPr lang="zh-CN" altLang="en-US" smtClean="0"/>
               <a:t>‹#›</a:t>
             </a:fld>
@@ -515,7 +515,7 @@
     </p:spTree>
     <p:extLst>
       <p:ext uri="{BB962C8B-B14F-4D97-AF65-F5344CB8AC3E}">
-        <p14:creationId xmlns:p14="http://schemas.microsoft.com/office/powerpoint/2010/main" val="3050005607"/>
+        <p14:creationId xmlns:p14="http://schemas.microsoft.com/office/powerpoint/2010/main" val="3269147181"/>
       </p:ext>
     </p:extLst>
   </p:cSld>
@@ -547,7 +547,7 @@
           <p:cNvPr id="2" name="竖排标题 1">
             <a:extLst>
               <a:ext uri="{FF2B5EF4-FFF2-40B4-BE49-F238E27FC236}">
-                <a16:creationId xmlns:a16="http://schemas.microsoft.com/office/drawing/2014/main" id="{DEF432D5-43ED-416B-210F-347C4D88C812}"/>
+                <a16:creationId xmlns:a16="http://schemas.microsoft.com/office/drawing/2014/main" id="{EA0AF9DF-E2EF-6208-3736-4843A9C68319}"/>
               </a:ext>
             </a:extLst>
           </p:cNvPr>
@@ -580,7 +580,7 @@
           <p:cNvPr id="3" name="竖排文字占位符 2">
             <a:extLst>
               <a:ext uri="{FF2B5EF4-FFF2-40B4-BE49-F238E27FC236}">
-                <a16:creationId xmlns:a16="http://schemas.microsoft.com/office/drawing/2014/main" id="{8CFDF721-B551-9FA6-78B9-9C3282A1B5E0}"/>
+                <a16:creationId xmlns:a16="http://schemas.microsoft.com/office/drawing/2014/main" id="{F864F5AE-EE4A-B664-1CD0-74536FB11451}"/>
               </a:ext>
             </a:extLst>
           </p:cNvPr>
@@ -642,7 +642,7 @@
           <p:cNvPr id="4" name="日期占位符 3">
             <a:extLst>
               <a:ext uri="{FF2B5EF4-FFF2-40B4-BE49-F238E27FC236}">
-                <a16:creationId xmlns:a16="http://schemas.microsoft.com/office/drawing/2014/main" id="{516E3118-2028-CE2E-E2E4-BB7BC7E1B844}"/>
+                <a16:creationId xmlns:a16="http://schemas.microsoft.com/office/drawing/2014/main" id="{05C4F119-F79D-F0E5-E19B-665DF7F56E6E}"/>
               </a:ext>
             </a:extLst>
           </p:cNvPr>
@@ -658,7 +658,7 @@
           <a:bodyPr/>
           <a:lstStyle/>
           <a:p>
-            <a:fld id="{9A3C18BC-E5F9-4562-8C4A-6E1397AB138B}" type="datetimeFigureOut">
+            <a:fld id="{C3FF72D7-0798-4B37-B3CB-2C45B2FDADAC}" type="datetimeFigureOut">
               <a:rPr lang="zh-CN" altLang="en-US" smtClean="0"/>
               <a:t>2024/3/10</a:t>
             </a:fld>
@@ -671,7 +671,7 @@
           <p:cNvPr id="5" name="页脚占位符 4">
             <a:extLst>
               <a:ext uri="{FF2B5EF4-FFF2-40B4-BE49-F238E27FC236}">
-                <a16:creationId xmlns:a16="http://schemas.microsoft.com/office/drawing/2014/main" id="{1189968D-1C62-31A1-B318-FEC2EFB380DE}"/>
+                <a16:creationId xmlns:a16="http://schemas.microsoft.com/office/drawing/2014/main" id="{2E0E0399-904B-C952-63CD-CC241F3B62A6}"/>
               </a:ext>
             </a:extLst>
           </p:cNvPr>
@@ -696,7 +696,7 @@
           <p:cNvPr id="6" name="灯片编号占位符 5">
             <a:extLst>
               <a:ext uri="{FF2B5EF4-FFF2-40B4-BE49-F238E27FC236}">
-                <a16:creationId xmlns:a16="http://schemas.microsoft.com/office/drawing/2014/main" id="{E85FB3F8-D314-0186-1EB9-DADABFBC4BC4}"/>
+                <a16:creationId xmlns:a16="http://schemas.microsoft.com/office/drawing/2014/main" id="{80A9DF1D-80C6-F7DD-B0A1-CE3DA9A3F1F7}"/>
               </a:ext>
             </a:extLst>
           </p:cNvPr>
@@ -712,7 +712,7 @@
           <a:bodyPr/>
           <a:lstStyle/>
           <a:p>
-            <a:fld id="{0D25765B-74A4-49CF-BCDF-3D24EB30908F}" type="slidenum">
+            <a:fld id="{C8CD9F3A-CDAC-44F2-A6FD-2E95A2A51136}" type="slidenum">
               <a:rPr lang="zh-CN" altLang="en-US" smtClean="0"/>
               <a:t>‹#›</a:t>
             </a:fld>
@@ -723,7 +723,7 @@
     </p:spTree>
     <p:extLst>
       <p:ext uri="{BB962C8B-B14F-4D97-AF65-F5344CB8AC3E}">
-        <p14:creationId xmlns:p14="http://schemas.microsoft.com/office/powerpoint/2010/main" val="980607258"/>
+        <p14:creationId xmlns:p14="http://schemas.microsoft.com/office/powerpoint/2010/main" val="539276573"/>
       </p:ext>
     </p:extLst>
   </p:cSld>
@@ -755,7 +755,7 @@
           <p:cNvPr id="2" name="标题 1">
             <a:extLst>
               <a:ext uri="{FF2B5EF4-FFF2-40B4-BE49-F238E27FC236}">
-                <a16:creationId xmlns:a16="http://schemas.microsoft.com/office/drawing/2014/main" id="{410E58A3-F475-2750-3969-1427C516FA15}"/>
+                <a16:creationId xmlns:a16="http://schemas.microsoft.com/office/drawing/2014/main" id="{15CC7021-5689-157D-50F7-49B04BD26743}"/>
               </a:ext>
             </a:extLst>
           </p:cNvPr>
@@ -783,7 +783,7 @@
           <p:cNvPr id="3" name="内容占位符 2">
             <a:extLst>
               <a:ext uri="{FF2B5EF4-FFF2-40B4-BE49-F238E27FC236}">
-                <a16:creationId xmlns:a16="http://schemas.microsoft.com/office/drawing/2014/main" id="{7C2D371D-8E37-A905-B6E1-221E40CBD4BF}"/>
+                <a16:creationId xmlns:a16="http://schemas.microsoft.com/office/drawing/2014/main" id="{E7FA3EAE-9407-5BF2-E632-15C32E9B9100}"/>
               </a:ext>
             </a:extLst>
           </p:cNvPr>
@@ -840,7 +840,7 @@
           <p:cNvPr id="4" name="日期占位符 3">
             <a:extLst>
               <a:ext uri="{FF2B5EF4-FFF2-40B4-BE49-F238E27FC236}">
-                <a16:creationId xmlns:a16="http://schemas.microsoft.com/office/drawing/2014/main" id="{6D3974DF-A612-0E31-91CE-91D03C463707}"/>
+                <a16:creationId xmlns:a16="http://schemas.microsoft.com/office/drawing/2014/main" id="{A4D430EA-8952-65E3-9F2C-220525D1ABB0}"/>
               </a:ext>
             </a:extLst>
           </p:cNvPr>
@@ -856,7 +856,7 @@
           <a:bodyPr/>
           <a:lstStyle/>
           <a:p>
-            <a:fld id="{9A3C18BC-E5F9-4562-8C4A-6E1397AB138B}" type="datetimeFigureOut">
+            <a:fld id="{C3FF72D7-0798-4B37-B3CB-2C45B2FDADAC}" type="datetimeFigureOut">
               <a:rPr lang="zh-CN" altLang="en-US" smtClean="0"/>
               <a:t>2024/3/10</a:t>
             </a:fld>
@@ -869,7 +869,7 @@
           <p:cNvPr id="5" name="页脚占位符 4">
             <a:extLst>
               <a:ext uri="{FF2B5EF4-FFF2-40B4-BE49-F238E27FC236}">
-                <a16:creationId xmlns:a16="http://schemas.microsoft.com/office/drawing/2014/main" id="{DFCC0604-A9EC-7535-B8BE-292C04F02B1E}"/>
+                <a16:creationId xmlns:a16="http://schemas.microsoft.com/office/drawing/2014/main" id="{9499B16B-BC1B-F47F-F315-AEF53834D272}"/>
               </a:ext>
             </a:extLst>
           </p:cNvPr>
@@ -894,7 +894,7 @@
           <p:cNvPr id="6" name="灯片编号占位符 5">
             <a:extLst>
               <a:ext uri="{FF2B5EF4-FFF2-40B4-BE49-F238E27FC236}">
-                <a16:creationId xmlns:a16="http://schemas.microsoft.com/office/drawing/2014/main" id="{47D12FCE-0542-9C9E-3771-5D162F19DC0B}"/>
+                <a16:creationId xmlns:a16="http://schemas.microsoft.com/office/drawing/2014/main" id="{D191F423-9FB0-74D5-CC3A-7C031C762524}"/>
               </a:ext>
             </a:extLst>
           </p:cNvPr>
@@ -910,7 +910,7 @@
           <a:bodyPr/>
           <a:lstStyle/>
           <a:p>
-            <a:fld id="{0D25765B-74A4-49CF-BCDF-3D24EB30908F}" type="slidenum">
+            <a:fld id="{C8CD9F3A-CDAC-44F2-A6FD-2E95A2A51136}" type="slidenum">
               <a:rPr lang="zh-CN" altLang="en-US" smtClean="0"/>
               <a:t>‹#›</a:t>
             </a:fld>
@@ -921,7 +921,7 @@
     </p:spTree>
     <p:extLst>
       <p:ext uri="{BB962C8B-B14F-4D97-AF65-F5344CB8AC3E}">
-        <p14:creationId xmlns:p14="http://schemas.microsoft.com/office/powerpoint/2010/main" val="1468697921"/>
+        <p14:creationId xmlns:p14="http://schemas.microsoft.com/office/powerpoint/2010/main" val="3174586808"/>
       </p:ext>
     </p:extLst>
   </p:cSld>
@@ -953,7 +953,7 @@
           <p:cNvPr id="2" name="标题 1">
             <a:extLst>
               <a:ext uri="{FF2B5EF4-FFF2-40B4-BE49-F238E27FC236}">
-                <a16:creationId xmlns:a16="http://schemas.microsoft.com/office/drawing/2014/main" id="{11AF5299-1AF8-6807-2682-E954E6BC977A}"/>
+                <a16:creationId xmlns:a16="http://schemas.microsoft.com/office/drawing/2014/main" id="{3631B892-FB24-176F-D874-50410E3A4BF4}"/>
               </a:ext>
             </a:extLst>
           </p:cNvPr>
@@ -990,7 +990,7 @@
           <p:cNvPr id="3" name="文本占位符 2">
             <a:extLst>
               <a:ext uri="{FF2B5EF4-FFF2-40B4-BE49-F238E27FC236}">
-                <a16:creationId xmlns:a16="http://schemas.microsoft.com/office/drawing/2014/main" id="{B7EDB684-9CA6-509D-E217-AB88D70ECBFE}"/>
+                <a16:creationId xmlns:a16="http://schemas.microsoft.com/office/drawing/2014/main" id="{E685E788-BD73-1BA1-3D29-F6854C5FE5BA}"/>
               </a:ext>
             </a:extLst>
           </p:cNvPr>
@@ -1115,7 +1115,7 @@
           <p:cNvPr id="4" name="日期占位符 3">
             <a:extLst>
               <a:ext uri="{FF2B5EF4-FFF2-40B4-BE49-F238E27FC236}">
-                <a16:creationId xmlns:a16="http://schemas.microsoft.com/office/drawing/2014/main" id="{E7FD2201-3D90-A0DF-A285-DF46774C677A}"/>
+                <a16:creationId xmlns:a16="http://schemas.microsoft.com/office/drawing/2014/main" id="{F07E4611-4172-AA98-4B14-C91CFF5D4FE0}"/>
               </a:ext>
             </a:extLst>
           </p:cNvPr>
@@ -1131,7 +1131,7 @@
           <a:bodyPr/>
           <a:lstStyle/>
           <a:p>
-            <a:fld id="{9A3C18BC-E5F9-4562-8C4A-6E1397AB138B}" type="datetimeFigureOut">
+            <a:fld id="{C3FF72D7-0798-4B37-B3CB-2C45B2FDADAC}" type="datetimeFigureOut">
               <a:rPr lang="zh-CN" altLang="en-US" smtClean="0"/>
               <a:t>2024/3/10</a:t>
             </a:fld>
@@ -1144,7 +1144,7 @@
           <p:cNvPr id="5" name="页脚占位符 4">
             <a:extLst>
               <a:ext uri="{FF2B5EF4-FFF2-40B4-BE49-F238E27FC236}">
-                <a16:creationId xmlns:a16="http://schemas.microsoft.com/office/drawing/2014/main" id="{FD07C9FD-6B61-40D1-338B-CC986955FB2B}"/>
+                <a16:creationId xmlns:a16="http://schemas.microsoft.com/office/drawing/2014/main" id="{F7D8BB20-569E-7A14-6006-293D2CC29D3B}"/>
               </a:ext>
             </a:extLst>
           </p:cNvPr>
@@ -1169,7 +1169,7 @@
           <p:cNvPr id="6" name="灯片编号占位符 5">
             <a:extLst>
               <a:ext uri="{FF2B5EF4-FFF2-40B4-BE49-F238E27FC236}">
-                <a16:creationId xmlns:a16="http://schemas.microsoft.com/office/drawing/2014/main" id="{57F79C60-164D-77E3-FD4F-32AF359F284A}"/>
+                <a16:creationId xmlns:a16="http://schemas.microsoft.com/office/drawing/2014/main" id="{51642577-D2A2-4755-3779-72BF453911FC}"/>
               </a:ext>
             </a:extLst>
           </p:cNvPr>
@@ -1185,7 +1185,7 @@
           <a:bodyPr/>
           <a:lstStyle/>
           <a:p>
-            <a:fld id="{0D25765B-74A4-49CF-BCDF-3D24EB30908F}" type="slidenum">
+            <a:fld id="{C8CD9F3A-CDAC-44F2-A6FD-2E95A2A51136}" type="slidenum">
               <a:rPr lang="zh-CN" altLang="en-US" smtClean="0"/>
               <a:t>‹#›</a:t>
             </a:fld>
@@ -1196,7 +1196,7 @@
     </p:spTree>
     <p:extLst>
       <p:ext uri="{BB962C8B-B14F-4D97-AF65-F5344CB8AC3E}">
-        <p14:creationId xmlns:p14="http://schemas.microsoft.com/office/powerpoint/2010/main" val="2769610289"/>
+        <p14:creationId xmlns:p14="http://schemas.microsoft.com/office/powerpoint/2010/main" val="2408801012"/>
       </p:ext>
     </p:extLst>
   </p:cSld>
@@ -1228,7 +1228,7 @@
           <p:cNvPr id="2" name="标题 1">
             <a:extLst>
               <a:ext uri="{FF2B5EF4-FFF2-40B4-BE49-F238E27FC236}">
-                <a16:creationId xmlns:a16="http://schemas.microsoft.com/office/drawing/2014/main" id="{12D2AF33-62B4-003E-A350-FE75B508435A}"/>
+                <a16:creationId xmlns:a16="http://schemas.microsoft.com/office/drawing/2014/main" id="{8AD5F2B7-243F-1329-D15A-119F81F3573E}"/>
               </a:ext>
             </a:extLst>
           </p:cNvPr>
@@ -1256,7 +1256,7 @@
           <p:cNvPr id="3" name="内容占位符 2">
             <a:extLst>
               <a:ext uri="{FF2B5EF4-FFF2-40B4-BE49-F238E27FC236}">
-                <a16:creationId xmlns:a16="http://schemas.microsoft.com/office/drawing/2014/main" id="{9E3F4DF5-B5D8-5718-1F94-B85717B3C151}"/>
+                <a16:creationId xmlns:a16="http://schemas.microsoft.com/office/drawing/2014/main" id="{5941784D-8E7F-C82C-2AAB-856BC938FA63}"/>
               </a:ext>
             </a:extLst>
           </p:cNvPr>
@@ -1318,7 +1318,7 @@
           <p:cNvPr id="4" name="内容占位符 3">
             <a:extLst>
               <a:ext uri="{FF2B5EF4-FFF2-40B4-BE49-F238E27FC236}">
-                <a16:creationId xmlns:a16="http://schemas.microsoft.com/office/drawing/2014/main" id="{D9E296EB-612C-D808-D98D-99BCF90A6D0C}"/>
+                <a16:creationId xmlns:a16="http://schemas.microsoft.com/office/drawing/2014/main" id="{6090D8B9-B513-EA4D-DF75-DAE91DB5F0C0}"/>
               </a:ext>
             </a:extLst>
           </p:cNvPr>
@@ -1380,7 +1380,7 @@
           <p:cNvPr id="5" name="日期占位符 4">
             <a:extLst>
               <a:ext uri="{FF2B5EF4-FFF2-40B4-BE49-F238E27FC236}">
-                <a16:creationId xmlns:a16="http://schemas.microsoft.com/office/drawing/2014/main" id="{4B06E7B4-E325-70E0-DFD8-AFE31E5FF0C6}"/>
+                <a16:creationId xmlns:a16="http://schemas.microsoft.com/office/drawing/2014/main" id="{905BCD86-4029-FCBE-9E6E-826F57844D71}"/>
               </a:ext>
             </a:extLst>
           </p:cNvPr>
@@ -1396,7 +1396,7 @@
           <a:bodyPr/>
           <a:lstStyle/>
           <a:p>
-            <a:fld id="{9A3C18BC-E5F9-4562-8C4A-6E1397AB138B}" type="datetimeFigureOut">
+            <a:fld id="{C3FF72D7-0798-4B37-B3CB-2C45B2FDADAC}" type="datetimeFigureOut">
               <a:rPr lang="zh-CN" altLang="en-US" smtClean="0"/>
               <a:t>2024/3/10</a:t>
             </a:fld>
@@ -1409,7 +1409,7 @@
           <p:cNvPr id="6" name="页脚占位符 5">
             <a:extLst>
               <a:ext uri="{FF2B5EF4-FFF2-40B4-BE49-F238E27FC236}">
-                <a16:creationId xmlns:a16="http://schemas.microsoft.com/office/drawing/2014/main" id="{28578941-FBCC-88D5-73D8-72B8CE5CBB82}"/>
+                <a16:creationId xmlns:a16="http://schemas.microsoft.com/office/drawing/2014/main" id="{2BA65A9C-85F7-7947-B414-611AA3D99A02}"/>
               </a:ext>
             </a:extLst>
           </p:cNvPr>
@@ -1434,7 +1434,7 @@
           <p:cNvPr id="7" name="灯片编号占位符 6">
             <a:extLst>
               <a:ext uri="{FF2B5EF4-FFF2-40B4-BE49-F238E27FC236}">
-                <a16:creationId xmlns:a16="http://schemas.microsoft.com/office/drawing/2014/main" id="{6772AAFF-3BD4-A21B-6E33-834D55CA4297}"/>
+                <a16:creationId xmlns:a16="http://schemas.microsoft.com/office/drawing/2014/main" id="{8297F5BB-D497-5F8B-41BD-079610488DEF}"/>
               </a:ext>
             </a:extLst>
           </p:cNvPr>
@@ -1450,7 +1450,7 @@
           <a:bodyPr/>
           <a:lstStyle/>
           <a:p>
-            <a:fld id="{0D25765B-74A4-49CF-BCDF-3D24EB30908F}" type="slidenum">
+            <a:fld id="{C8CD9F3A-CDAC-44F2-A6FD-2E95A2A51136}" type="slidenum">
               <a:rPr lang="zh-CN" altLang="en-US" smtClean="0"/>
               <a:t>‹#›</a:t>
             </a:fld>
@@ -1461,7 +1461,7 @@
     </p:spTree>
     <p:extLst>
       <p:ext uri="{BB962C8B-B14F-4D97-AF65-F5344CB8AC3E}">
-        <p14:creationId xmlns:p14="http://schemas.microsoft.com/office/powerpoint/2010/main" val="1219688232"/>
+        <p14:creationId xmlns:p14="http://schemas.microsoft.com/office/powerpoint/2010/main" val="1211275491"/>
       </p:ext>
     </p:extLst>
   </p:cSld>
@@ -1493,7 +1493,7 @@
           <p:cNvPr id="2" name="标题 1">
             <a:extLst>
               <a:ext uri="{FF2B5EF4-FFF2-40B4-BE49-F238E27FC236}">
-                <a16:creationId xmlns:a16="http://schemas.microsoft.com/office/drawing/2014/main" id="{81BF3BDD-741D-A6A9-0D75-AF2C95B98CE9}"/>
+                <a16:creationId xmlns:a16="http://schemas.microsoft.com/office/drawing/2014/main" id="{ECBFCA81-C06F-7949-5C02-7B6D50CDDBD4}"/>
               </a:ext>
             </a:extLst>
           </p:cNvPr>
@@ -1526,7 +1526,7 @@
           <p:cNvPr id="3" name="文本占位符 2">
             <a:extLst>
               <a:ext uri="{FF2B5EF4-FFF2-40B4-BE49-F238E27FC236}">
-                <a16:creationId xmlns:a16="http://schemas.microsoft.com/office/drawing/2014/main" id="{009871CD-B089-AAE0-32E0-F0AE65622DA7}"/>
+                <a16:creationId xmlns:a16="http://schemas.microsoft.com/office/drawing/2014/main" id="{52F0105A-1C1A-D462-49A3-15E32DAEE7B9}"/>
               </a:ext>
             </a:extLst>
           </p:cNvPr>
@@ -1597,7 +1597,7 @@
           <p:cNvPr id="4" name="内容占位符 3">
             <a:extLst>
               <a:ext uri="{FF2B5EF4-FFF2-40B4-BE49-F238E27FC236}">
-                <a16:creationId xmlns:a16="http://schemas.microsoft.com/office/drawing/2014/main" id="{11DECF63-8577-5DD7-8866-746EB5D406B6}"/>
+                <a16:creationId xmlns:a16="http://schemas.microsoft.com/office/drawing/2014/main" id="{0607E7F4-57AE-84DB-4B6F-E9FAF1CA5E2C}"/>
               </a:ext>
             </a:extLst>
           </p:cNvPr>
@@ -1659,7 +1659,7 @@
           <p:cNvPr id="5" name="文本占位符 4">
             <a:extLst>
               <a:ext uri="{FF2B5EF4-FFF2-40B4-BE49-F238E27FC236}">
-                <a16:creationId xmlns:a16="http://schemas.microsoft.com/office/drawing/2014/main" id="{51FAB15A-FF55-11EB-52F5-BF8AE92CC167}"/>
+                <a16:creationId xmlns:a16="http://schemas.microsoft.com/office/drawing/2014/main" id="{F2C5B7AF-0F28-F4D8-260B-AE1BA9086E36}"/>
               </a:ext>
             </a:extLst>
           </p:cNvPr>
@@ -1730,7 +1730,7 @@
           <p:cNvPr id="6" name="内容占位符 5">
             <a:extLst>
               <a:ext uri="{FF2B5EF4-FFF2-40B4-BE49-F238E27FC236}">
-                <a16:creationId xmlns:a16="http://schemas.microsoft.com/office/drawing/2014/main" id="{38E32788-9841-A4FF-2B2D-F939D91785E0}"/>
+                <a16:creationId xmlns:a16="http://schemas.microsoft.com/office/drawing/2014/main" id="{DBF313A5-C298-CBCE-5011-5F74C26B459E}"/>
               </a:ext>
             </a:extLst>
           </p:cNvPr>
@@ -1792,7 +1792,7 @@
           <p:cNvPr id="7" name="日期占位符 6">
             <a:extLst>
               <a:ext uri="{FF2B5EF4-FFF2-40B4-BE49-F238E27FC236}">
-                <a16:creationId xmlns:a16="http://schemas.microsoft.com/office/drawing/2014/main" id="{217F9E25-93E4-F86C-149B-87CE1C30B9B2}"/>
+                <a16:creationId xmlns:a16="http://schemas.microsoft.com/office/drawing/2014/main" id="{E7D30F14-F68D-B7A0-D7C7-39C5387D3974}"/>
               </a:ext>
             </a:extLst>
           </p:cNvPr>
@@ -1808,7 +1808,7 @@
           <a:bodyPr/>
           <a:lstStyle/>
           <a:p>
-            <a:fld id="{9A3C18BC-E5F9-4562-8C4A-6E1397AB138B}" type="datetimeFigureOut">
+            <a:fld id="{C3FF72D7-0798-4B37-B3CB-2C45B2FDADAC}" type="datetimeFigureOut">
               <a:rPr lang="zh-CN" altLang="en-US" smtClean="0"/>
               <a:t>2024/3/10</a:t>
             </a:fld>
@@ -1821,7 +1821,7 @@
           <p:cNvPr id="8" name="页脚占位符 7">
             <a:extLst>
               <a:ext uri="{FF2B5EF4-FFF2-40B4-BE49-F238E27FC236}">
-                <a16:creationId xmlns:a16="http://schemas.microsoft.com/office/drawing/2014/main" id="{772ECFA6-07EC-7DEF-33EC-3FF0D7C94803}"/>
+                <a16:creationId xmlns:a16="http://schemas.microsoft.com/office/drawing/2014/main" id="{0921A903-3DD6-5ACD-6ED3-F686CB870DB4}"/>
               </a:ext>
             </a:extLst>
           </p:cNvPr>
@@ -1846,7 +1846,7 @@
           <p:cNvPr id="9" name="灯片编号占位符 8">
             <a:extLst>
               <a:ext uri="{FF2B5EF4-FFF2-40B4-BE49-F238E27FC236}">
-                <a16:creationId xmlns:a16="http://schemas.microsoft.com/office/drawing/2014/main" id="{CACCD2D5-C227-55E5-F139-B5E455F4B1EE}"/>
+                <a16:creationId xmlns:a16="http://schemas.microsoft.com/office/drawing/2014/main" id="{0A1B033E-05B0-6F69-475B-E02C447ADAA7}"/>
               </a:ext>
             </a:extLst>
           </p:cNvPr>
@@ -1862,7 +1862,7 @@
           <a:bodyPr/>
           <a:lstStyle/>
           <a:p>
-            <a:fld id="{0D25765B-74A4-49CF-BCDF-3D24EB30908F}" type="slidenum">
+            <a:fld id="{C8CD9F3A-CDAC-44F2-A6FD-2E95A2A51136}" type="slidenum">
               <a:rPr lang="zh-CN" altLang="en-US" smtClean="0"/>
               <a:t>‹#›</a:t>
             </a:fld>
@@ -1873,7 +1873,7 @@
     </p:spTree>
     <p:extLst>
       <p:ext uri="{BB962C8B-B14F-4D97-AF65-F5344CB8AC3E}">
-        <p14:creationId xmlns:p14="http://schemas.microsoft.com/office/powerpoint/2010/main" val="2969618967"/>
+        <p14:creationId xmlns:p14="http://schemas.microsoft.com/office/powerpoint/2010/main" val="4024766403"/>
       </p:ext>
     </p:extLst>
   </p:cSld>
@@ -1905,7 +1905,7 @@
           <p:cNvPr id="2" name="标题 1">
             <a:extLst>
               <a:ext uri="{FF2B5EF4-FFF2-40B4-BE49-F238E27FC236}">
-                <a16:creationId xmlns:a16="http://schemas.microsoft.com/office/drawing/2014/main" id="{49785FBF-F57E-D13C-16A9-15FABDF58B08}"/>
+                <a16:creationId xmlns:a16="http://schemas.microsoft.com/office/drawing/2014/main" id="{A2C65416-87B2-45D3-E078-D5D867F1184F}"/>
               </a:ext>
             </a:extLst>
           </p:cNvPr>
@@ -1933,7 +1933,7 @@
           <p:cNvPr id="3" name="日期占位符 2">
             <a:extLst>
               <a:ext uri="{FF2B5EF4-FFF2-40B4-BE49-F238E27FC236}">
-                <a16:creationId xmlns:a16="http://schemas.microsoft.com/office/drawing/2014/main" id="{3444EE60-5EF7-5D6D-D64B-790F15AD6204}"/>
+                <a16:creationId xmlns:a16="http://schemas.microsoft.com/office/drawing/2014/main" id="{9E357B26-57FD-24FC-7FC0-71AB1D72DD86}"/>
               </a:ext>
             </a:extLst>
           </p:cNvPr>
@@ -1949,7 +1949,7 @@
           <a:bodyPr/>
           <a:lstStyle/>
           <a:p>
-            <a:fld id="{9A3C18BC-E5F9-4562-8C4A-6E1397AB138B}" type="datetimeFigureOut">
+            <a:fld id="{C3FF72D7-0798-4B37-B3CB-2C45B2FDADAC}" type="datetimeFigureOut">
               <a:rPr lang="zh-CN" altLang="en-US" smtClean="0"/>
               <a:t>2024/3/10</a:t>
             </a:fld>
@@ -1962,7 +1962,7 @@
           <p:cNvPr id="4" name="页脚占位符 3">
             <a:extLst>
               <a:ext uri="{FF2B5EF4-FFF2-40B4-BE49-F238E27FC236}">
-                <a16:creationId xmlns:a16="http://schemas.microsoft.com/office/drawing/2014/main" id="{765504DC-7578-E435-BC02-E8B7D82B84EB}"/>
+                <a16:creationId xmlns:a16="http://schemas.microsoft.com/office/drawing/2014/main" id="{3CDDDB2A-3BAF-ACA3-C239-4F6301F5C04E}"/>
               </a:ext>
             </a:extLst>
           </p:cNvPr>
@@ -1987,7 +1987,7 @@
           <p:cNvPr id="5" name="灯片编号占位符 4">
             <a:extLst>
               <a:ext uri="{FF2B5EF4-FFF2-40B4-BE49-F238E27FC236}">
-                <a16:creationId xmlns:a16="http://schemas.microsoft.com/office/drawing/2014/main" id="{BD52781D-2C40-A7BB-1694-BAAC422F219E}"/>
+                <a16:creationId xmlns:a16="http://schemas.microsoft.com/office/drawing/2014/main" id="{A109ADED-4318-DE9F-DDD0-ED187927D7E4}"/>
               </a:ext>
             </a:extLst>
           </p:cNvPr>
@@ -2003,7 +2003,7 @@
           <a:bodyPr/>
           <a:lstStyle/>
           <a:p>
-            <a:fld id="{0D25765B-74A4-49CF-BCDF-3D24EB30908F}" type="slidenum">
+            <a:fld id="{C8CD9F3A-CDAC-44F2-A6FD-2E95A2A51136}" type="slidenum">
               <a:rPr lang="zh-CN" altLang="en-US" smtClean="0"/>
               <a:t>‹#›</a:t>
             </a:fld>
@@ -2014,7 +2014,7 @@
     </p:spTree>
     <p:extLst>
       <p:ext uri="{BB962C8B-B14F-4D97-AF65-F5344CB8AC3E}">
-        <p14:creationId xmlns:p14="http://schemas.microsoft.com/office/powerpoint/2010/main" val="1680507994"/>
+        <p14:creationId xmlns:p14="http://schemas.microsoft.com/office/powerpoint/2010/main" val="1107647637"/>
       </p:ext>
     </p:extLst>
   </p:cSld>
@@ -2046,7 +2046,7 @@
           <p:cNvPr id="2" name="日期占位符 1">
             <a:extLst>
               <a:ext uri="{FF2B5EF4-FFF2-40B4-BE49-F238E27FC236}">
-                <a16:creationId xmlns:a16="http://schemas.microsoft.com/office/drawing/2014/main" id="{3FA2F4CC-D106-446E-FFF7-6EBE39933DE4}"/>
+                <a16:creationId xmlns:a16="http://schemas.microsoft.com/office/drawing/2014/main" id="{6530E184-0430-80E9-582C-26359F3370FE}"/>
               </a:ext>
             </a:extLst>
           </p:cNvPr>
@@ -2062,7 +2062,7 @@
           <a:bodyPr/>
           <a:lstStyle/>
           <a:p>
-            <a:fld id="{9A3C18BC-E5F9-4562-8C4A-6E1397AB138B}" type="datetimeFigureOut">
+            <a:fld id="{C3FF72D7-0798-4B37-B3CB-2C45B2FDADAC}" type="datetimeFigureOut">
               <a:rPr lang="zh-CN" altLang="en-US" smtClean="0"/>
               <a:t>2024/3/10</a:t>
             </a:fld>
@@ -2075,7 +2075,7 @@
           <p:cNvPr id="3" name="页脚占位符 2">
             <a:extLst>
               <a:ext uri="{FF2B5EF4-FFF2-40B4-BE49-F238E27FC236}">
-                <a16:creationId xmlns:a16="http://schemas.microsoft.com/office/drawing/2014/main" id="{7C0B1943-DFCA-87A7-FD23-24A1725C564D}"/>
+                <a16:creationId xmlns:a16="http://schemas.microsoft.com/office/drawing/2014/main" id="{09EFB28F-641D-9437-5D03-60EFEA34A6A0}"/>
               </a:ext>
             </a:extLst>
           </p:cNvPr>
@@ -2100,7 +2100,7 @@
           <p:cNvPr id="4" name="灯片编号占位符 3">
             <a:extLst>
               <a:ext uri="{FF2B5EF4-FFF2-40B4-BE49-F238E27FC236}">
-                <a16:creationId xmlns:a16="http://schemas.microsoft.com/office/drawing/2014/main" id="{5C9A2E2C-EDA3-435F-8ACE-6659254A39EB}"/>
+                <a16:creationId xmlns:a16="http://schemas.microsoft.com/office/drawing/2014/main" id="{9E7E7A80-92CD-798B-8534-751927C6CAAD}"/>
               </a:ext>
             </a:extLst>
           </p:cNvPr>
@@ -2116,7 +2116,7 @@
           <a:bodyPr/>
           <a:lstStyle/>
           <a:p>
-            <a:fld id="{0D25765B-74A4-49CF-BCDF-3D24EB30908F}" type="slidenum">
+            <a:fld id="{C8CD9F3A-CDAC-44F2-A6FD-2E95A2A51136}" type="slidenum">
               <a:rPr lang="zh-CN" altLang="en-US" smtClean="0"/>
               <a:t>‹#›</a:t>
             </a:fld>
@@ -2127,7 +2127,7 @@
     </p:spTree>
     <p:extLst>
       <p:ext uri="{BB962C8B-B14F-4D97-AF65-F5344CB8AC3E}">
-        <p14:creationId xmlns:p14="http://schemas.microsoft.com/office/powerpoint/2010/main" val="1899754226"/>
+        <p14:creationId xmlns:p14="http://schemas.microsoft.com/office/powerpoint/2010/main" val="2480905670"/>
       </p:ext>
     </p:extLst>
   </p:cSld>
@@ -2159,7 +2159,7 @@
           <p:cNvPr id="2" name="标题 1">
             <a:extLst>
               <a:ext uri="{FF2B5EF4-FFF2-40B4-BE49-F238E27FC236}">
-                <a16:creationId xmlns:a16="http://schemas.microsoft.com/office/drawing/2014/main" id="{968DEDD1-5E81-263D-9928-DC6DDA2E7BDF}"/>
+                <a16:creationId xmlns:a16="http://schemas.microsoft.com/office/drawing/2014/main" id="{EF971B9A-EFFC-CF60-E838-A4553317CDBC}"/>
               </a:ext>
             </a:extLst>
           </p:cNvPr>
@@ -2196,7 +2196,7 @@
           <p:cNvPr id="3" name="内容占位符 2">
             <a:extLst>
               <a:ext uri="{FF2B5EF4-FFF2-40B4-BE49-F238E27FC236}">
-                <a16:creationId xmlns:a16="http://schemas.microsoft.com/office/drawing/2014/main" id="{82842ED6-3C27-BB72-B2F8-8D046A27C401}"/>
+                <a16:creationId xmlns:a16="http://schemas.microsoft.com/office/drawing/2014/main" id="{49FB2B39-3A3E-C3A0-68CE-7D71481A43C7}"/>
               </a:ext>
             </a:extLst>
           </p:cNvPr>
@@ -2286,7 +2286,7 @@
           <p:cNvPr id="4" name="文本占位符 3">
             <a:extLst>
               <a:ext uri="{FF2B5EF4-FFF2-40B4-BE49-F238E27FC236}">
-                <a16:creationId xmlns:a16="http://schemas.microsoft.com/office/drawing/2014/main" id="{8C27D54E-5072-5D94-FB55-23FA650B4EE8}"/>
+                <a16:creationId xmlns:a16="http://schemas.microsoft.com/office/drawing/2014/main" id="{C69766EF-4BA4-C14C-80F7-ACF10A3D03CF}"/>
               </a:ext>
             </a:extLst>
           </p:cNvPr>
@@ -2357,7 +2357,7 @@
           <p:cNvPr id="5" name="日期占位符 4">
             <a:extLst>
               <a:ext uri="{FF2B5EF4-FFF2-40B4-BE49-F238E27FC236}">
-                <a16:creationId xmlns:a16="http://schemas.microsoft.com/office/drawing/2014/main" id="{69BF2075-84BA-9A75-9377-0B6D56127E7E}"/>
+                <a16:creationId xmlns:a16="http://schemas.microsoft.com/office/drawing/2014/main" id="{2ECE88F1-E253-F5B1-CCFA-522B681A684A}"/>
               </a:ext>
             </a:extLst>
           </p:cNvPr>
@@ -2373,7 +2373,7 @@
           <a:bodyPr/>
           <a:lstStyle/>
           <a:p>
-            <a:fld id="{9A3C18BC-E5F9-4562-8C4A-6E1397AB138B}" type="datetimeFigureOut">
+            <a:fld id="{C3FF72D7-0798-4B37-B3CB-2C45B2FDADAC}" type="datetimeFigureOut">
               <a:rPr lang="zh-CN" altLang="en-US" smtClean="0"/>
               <a:t>2024/3/10</a:t>
             </a:fld>
@@ -2386,7 +2386,7 @@
           <p:cNvPr id="6" name="页脚占位符 5">
             <a:extLst>
               <a:ext uri="{FF2B5EF4-FFF2-40B4-BE49-F238E27FC236}">
-                <a16:creationId xmlns:a16="http://schemas.microsoft.com/office/drawing/2014/main" id="{9EB4BD29-0293-9DE3-A092-F66F160D3636}"/>
+                <a16:creationId xmlns:a16="http://schemas.microsoft.com/office/drawing/2014/main" id="{C35BCD2A-9CAC-AEC8-C358-A39A488CF807}"/>
               </a:ext>
             </a:extLst>
           </p:cNvPr>
@@ -2411,7 +2411,7 @@
           <p:cNvPr id="7" name="灯片编号占位符 6">
             <a:extLst>
               <a:ext uri="{FF2B5EF4-FFF2-40B4-BE49-F238E27FC236}">
-                <a16:creationId xmlns:a16="http://schemas.microsoft.com/office/drawing/2014/main" id="{1FB51916-7FC6-B9EC-252B-D3D768089D1F}"/>
+                <a16:creationId xmlns:a16="http://schemas.microsoft.com/office/drawing/2014/main" id="{AB8FAB65-E8FE-AEC7-274B-116B3143A8F2}"/>
               </a:ext>
             </a:extLst>
           </p:cNvPr>
@@ -2427,7 +2427,7 @@
           <a:bodyPr/>
           <a:lstStyle/>
           <a:p>
-            <a:fld id="{0D25765B-74A4-49CF-BCDF-3D24EB30908F}" type="slidenum">
+            <a:fld id="{C8CD9F3A-CDAC-44F2-A6FD-2E95A2A51136}" type="slidenum">
               <a:rPr lang="zh-CN" altLang="en-US" smtClean="0"/>
               <a:t>‹#›</a:t>
             </a:fld>
@@ -2438,7 +2438,7 @@
     </p:spTree>
     <p:extLst>
       <p:ext uri="{BB962C8B-B14F-4D97-AF65-F5344CB8AC3E}">
-        <p14:creationId xmlns:p14="http://schemas.microsoft.com/office/powerpoint/2010/main" val="3223475951"/>
+        <p14:creationId xmlns:p14="http://schemas.microsoft.com/office/powerpoint/2010/main" val="3700579298"/>
       </p:ext>
     </p:extLst>
   </p:cSld>
@@ -2470,7 +2470,7 @@
           <p:cNvPr id="2" name="标题 1">
             <a:extLst>
               <a:ext uri="{FF2B5EF4-FFF2-40B4-BE49-F238E27FC236}">
-                <a16:creationId xmlns:a16="http://schemas.microsoft.com/office/drawing/2014/main" id="{EC9E0E4C-A382-41B9-C0D3-338D2A5C7562}"/>
+                <a16:creationId xmlns:a16="http://schemas.microsoft.com/office/drawing/2014/main" id="{AD4EB8B9-F544-57A8-FE81-3B09E7619455}"/>
               </a:ext>
             </a:extLst>
           </p:cNvPr>
@@ -2507,7 +2507,7 @@
           <p:cNvPr id="3" name="图片占位符 2">
             <a:extLst>
               <a:ext uri="{FF2B5EF4-FFF2-40B4-BE49-F238E27FC236}">
-                <a16:creationId xmlns:a16="http://schemas.microsoft.com/office/drawing/2014/main" id="{3FA55C6D-6B96-A266-C408-1012E0BDF8A1}"/>
+                <a16:creationId xmlns:a16="http://schemas.microsoft.com/office/drawing/2014/main" id="{1E268276-ACA4-87E9-46BC-F0245FA6F287}"/>
               </a:ext>
             </a:extLst>
           </p:cNvPr>
@@ -2574,7 +2574,7 @@
           <p:cNvPr id="4" name="文本占位符 3">
             <a:extLst>
               <a:ext uri="{FF2B5EF4-FFF2-40B4-BE49-F238E27FC236}">
-                <a16:creationId xmlns:a16="http://schemas.microsoft.com/office/drawing/2014/main" id="{FD273885-E887-993A-24D2-DFE2B0A69745}"/>
+                <a16:creationId xmlns:a16="http://schemas.microsoft.com/office/drawing/2014/main" id="{4B3C88EA-A29E-9B9B-1549-9F868EA88927}"/>
               </a:ext>
             </a:extLst>
           </p:cNvPr>
@@ -2645,7 +2645,7 @@
           <p:cNvPr id="5" name="日期占位符 4">
             <a:extLst>
               <a:ext uri="{FF2B5EF4-FFF2-40B4-BE49-F238E27FC236}">
-                <a16:creationId xmlns:a16="http://schemas.microsoft.com/office/drawing/2014/main" id="{329D44AB-8AD2-4DD0-0FE7-3A3D5653F08D}"/>
+                <a16:creationId xmlns:a16="http://schemas.microsoft.com/office/drawing/2014/main" id="{DF6D815E-5A15-5DE6-711F-E40AAB45ADEB}"/>
               </a:ext>
             </a:extLst>
           </p:cNvPr>
@@ -2661,7 +2661,7 @@
           <a:bodyPr/>
           <a:lstStyle/>
           <a:p>
-            <a:fld id="{9A3C18BC-E5F9-4562-8C4A-6E1397AB138B}" type="datetimeFigureOut">
+            <a:fld id="{C3FF72D7-0798-4B37-B3CB-2C45B2FDADAC}" type="datetimeFigureOut">
               <a:rPr lang="zh-CN" altLang="en-US" smtClean="0"/>
               <a:t>2024/3/10</a:t>
             </a:fld>
@@ -2674,7 +2674,7 @@
           <p:cNvPr id="6" name="页脚占位符 5">
             <a:extLst>
               <a:ext uri="{FF2B5EF4-FFF2-40B4-BE49-F238E27FC236}">
-                <a16:creationId xmlns:a16="http://schemas.microsoft.com/office/drawing/2014/main" id="{BBC59DA1-FADB-AEB7-67E2-BE8ED5EF1F7B}"/>
+                <a16:creationId xmlns:a16="http://schemas.microsoft.com/office/drawing/2014/main" id="{E55F4696-D355-2BA8-3556-A9B6615845AA}"/>
               </a:ext>
             </a:extLst>
           </p:cNvPr>
@@ -2699,7 +2699,7 @@
           <p:cNvPr id="7" name="灯片编号占位符 6">
             <a:extLst>
               <a:ext uri="{FF2B5EF4-FFF2-40B4-BE49-F238E27FC236}">
-                <a16:creationId xmlns:a16="http://schemas.microsoft.com/office/drawing/2014/main" id="{69134B14-DC80-FBFE-C529-3DAB79CC3F3A}"/>
+                <a16:creationId xmlns:a16="http://schemas.microsoft.com/office/drawing/2014/main" id="{EB62A9B5-6FD4-B97C-6B3F-4891979EDA6A}"/>
               </a:ext>
             </a:extLst>
           </p:cNvPr>
@@ -2715,7 +2715,7 @@
           <a:bodyPr/>
           <a:lstStyle/>
           <a:p>
-            <a:fld id="{0D25765B-74A4-49CF-BCDF-3D24EB30908F}" type="slidenum">
+            <a:fld id="{C8CD9F3A-CDAC-44F2-A6FD-2E95A2A51136}" type="slidenum">
               <a:rPr lang="zh-CN" altLang="en-US" smtClean="0"/>
               <a:t>‹#›</a:t>
             </a:fld>
@@ -2726,7 +2726,7 @@
     </p:spTree>
     <p:extLst>
       <p:ext uri="{BB962C8B-B14F-4D97-AF65-F5344CB8AC3E}">
-        <p14:creationId xmlns:p14="http://schemas.microsoft.com/office/powerpoint/2010/main" val="4092272158"/>
+        <p14:creationId xmlns:p14="http://schemas.microsoft.com/office/powerpoint/2010/main" val="1304595820"/>
       </p:ext>
     </p:extLst>
   </p:cSld>
@@ -2763,7 +2763,7 @@
           <p:cNvPr id="2" name="标题占位符 1">
             <a:extLst>
               <a:ext uri="{FF2B5EF4-FFF2-40B4-BE49-F238E27FC236}">
-                <a16:creationId xmlns:a16="http://schemas.microsoft.com/office/drawing/2014/main" id="{D38832BC-A36B-9C36-E9E9-7409A814CC14}"/>
+                <a16:creationId xmlns:a16="http://schemas.microsoft.com/office/drawing/2014/main" id="{8C3B42BE-E2FE-9E42-3ED6-825887F32D7E}"/>
               </a:ext>
             </a:extLst>
           </p:cNvPr>
@@ -2801,7 +2801,7 @@
           <p:cNvPr id="3" name="文本占位符 2">
             <a:extLst>
               <a:ext uri="{FF2B5EF4-FFF2-40B4-BE49-F238E27FC236}">
-                <a16:creationId xmlns:a16="http://schemas.microsoft.com/office/drawing/2014/main" id="{6DE9003B-9E2A-A743-EC73-D31ECD197340}"/>
+                <a16:creationId xmlns:a16="http://schemas.microsoft.com/office/drawing/2014/main" id="{F9E718ED-8644-C799-D6A2-202942674B90}"/>
               </a:ext>
             </a:extLst>
           </p:cNvPr>
@@ -2868,7 +2868,7 @@
           <p:cNvPr id="4" name="日期占位符 3">
             <a:extLst>
               <a:ext uri="{FF2B5EF4-FFF2-40B4-BE49-F238E27FC236}">
-                <a16:creationId xmlns:a16="http://schemas.microsoft.com/office/drawing/2014/main" id="{B48F713D-7464-F9D5-3CEF-EB0E90B9BD5D}"/>
+                <a16:creationId xmlns:a16="http://schemas.microsoft.com/office/drawing/2014/main" id="{06B046EA-84D0-7347-DB66-4F0FE48A0C9C}"/>
               </a:ext>
             </a:extLst>
           </p:cNvPr>
@@ -2902,7 +2902,7 @@
             </a:lvl1pPr>
           </a:lstStyle>
           <a:p>
-            <a:fld id="{9A3C18BC-E5F9-4562-8C4A-6E1397AB138B}" type="datetimeFigureOut">
+            <a:fld id="{C3FF72D7-0798-4B37-B3CB-2C45B2FDADAC}" type="datetimeFigureOut">
               <a:rPr lang="zh-CN" altLang="en-US" smtClean="0"/>
               <a:t>2024/3/10</a:t>
             </a:fld>
@@ -2915,7 +2915,7 @@
           <p:cNvPr id="5" name="页脚占位符 4">
             <a:extLst>
               <a:ext uri="{FF2B5EF4-FFF2-40B4-BE49-F238E27FC236}">
-                <a16:creationId xmlns:a16="http://schemas.microsoft.com/office/drawing/2014/main" id="{D99DDA34-617E-5CB8-8F89-EAC33D4E9BFC}"/>
+                <a16:creationId xmlns:a16="http://schemas.microsoft.com/office/drawing/2014/main" id="{50AAA39A-7A3C-C72C-05A9-791AC3FAE3A2}"/>
               </a:ext>
             </a:extLst>
           </p:cNvPr>
@@ -2958,7 +2958,7 @@
           <p:cNvPr id="6" name="灯片编号占位符 5">
             <a:extLst>
               <a:ext uri="{FF2B5EF4-FFF2-40B4-BE49-F238E27FC236}">
-                <a16:creationId xmlns:a16="http://schemas.microsoft.com/office/drawing/2014/main" id="{00FD8C12-FC59-816C-8A4C-8C1EC53BE4F7}"/>
+                <a16:creationId xmlns:a16="http://schemas.microsoft.com/office/drawing/2014/main" id="{0AFE7170-658D-FFA4-48A5-BF415E6FD7E8}"/>
               </a:ext>
             </a:extLst>
           </p:cNvPr>
@@ -2992,7 +2992,7 @@
             </a:lvl1pPr>
           </a:lstStyle>
           <a:p>
-            <a:fld id="{0D25765B-74A4-49CF-BCDF-3D24EB30908F}" type="slidenum">
+            <a:fld id="{C8CD9F3A-CDAC-44F2-A6FD-2E95A2A51136}" type="slidenum">
               <a:rPr lang="zh-CN" altLang="en-US" smtClean="0"/>
               <a:t>‹#›</a:t>
             </a:fld>
@@ -3003,7 +3003,7 @@
     </p:spTree>
     <p:extLst>
       <p:ext uri="{BB962C8B-B14F-4D97-AF65-F5344CB8AC3E}">
-        <p14:creationId xmlns:p14="http://schemas.microsoft.com/office/powerpoint/2010/main" val="1175728956"/>
+        <p14:creationId xmlns:p14="http://schemas.microsoft.com/office/powerpoint/2010/main" val="209413309"/>
       </p:ext>
     </p:extLst>
   </p:cSld>
@@ -3323,7 +3323,7 @@
       </p:grpSpPr>
       <p:pic>
         <p:nvPicPr>
-          <p:cNvPr id="1039362" name="Picture 2" descr="1014"/>
+          <p:cNvPr id="1040386" name="Picture 2" descr="1015"/>
           <p:cNvPicPr>
             <a:picLocks noChangeAspect="1" noChangeArrowheads="1"/>
           </p:cNvPicPr>
@@ -3344,8 +3344,8 @@
         </p:blipFill>
         <p:spPr bwMode="auto">
           <a:xfrm>
-            <a:off x="1524001" y="0"/>
-            <a:ext cx="9053513" cy="6789738"/>
+            <a:off x="1543050" y="14288"/>
+            <a:ext cx="9124950" cy="6843712"/>
           </a:xfrm>
           <a:prstGeom prst="rect">
             <a:avLst/>
@@ -3375,11 +3375,158 @@
           </a:extLst>
         </p:spPr>
       </p:pic>
+      <p:pic>
+        <p:nvPicPr>
+          <p:cNvPr id="1041411" name="Picture 3" descr="1015-2"/>
+          <p:cNvPicPr>
+            <a:picLocks noChangeAspect="1" noChangeArrowheads="1"/>
+          </p:cNvPicPr>
+          <p:nvPr/>
+        </p:nvPicPr>
+        <p:blipFill>
+          <a:blip r:embed="rId3">
+            <a:extLst>
+              <a:ext uri="{28A0092B-C50C-407E-A947-70E740481C1C}">
+                <a14:useLocalDpi xmlns:a14="http://schemas.microsoft.com/office/drawing/2010/main" val="0"/>
+              </a:ext>
+            </a:extLst>
+          </a:blip>
+          <a:srcRect/>
+          <a:stretch>
+            <a:fillRect/>
+          </a:stretch>
+        </p:blipFill>
+        <p:spPr bwMode="auto">
+          <a:xfrm>
+            <a:off x="1525588" y="0"/>
+            <a:ext cx="9144000" cy="6858000"/>
+          </a:xfrm>
+          <a:prstGeom prst="rect">
+            <a:avLst/>
+          </a:prstGeom>
+          <a:noFill/>
+          <a:ln>
+            <a:noFill/>
+          </a:ln>
+          <a:effectLst/>
+          <a:extLst>
+            <a:ext uri="{909E8E84-426E-40DD-AFC4-6F175D3DCCD1}">
+              <a14:hiddenFill xmlns:a14="http://schemas.microsoft.com/office/drawing/2010/main">
+                <a:solidFill>
+                  <a:srgbClr val="FFFFFF"/>
+                </a:solidFill>
+              </a14:hiddenFill>
+            </a:ext>
+            <a:ext uri="{91240B29-F687-4F45-9708-019B960494DF}">
+              <a14:hiddenLine xmlns:a14="http://schemas.microsoft.com/office/drawing/2010/main" w="9525">
+                <a:solidFill>
+                  <a:srgbClr val="000000"/>
+                </a:solidFill>
+                <a:miter lim="800000"/>
+                <a:headEnd/>
+                <a:tailEnd/>
+              </a14:hiddenLine>
+            </a:ext>
+            <a:ext uri="{AF507438-7753-43E0-B8FC-AC1667EBCBE1}">
+              <a14:hiddenEffects xmlns:a14="http://schemas.microsoft.com/office/drawing/2010/main">
+                <a:effectLst>
+                  <a:outerShdw dist="35921" dir="2700000" algn="ctr" rotWithShape="0">
+                    <a:srgbClr val="808080"/>
+                  </a:outerShdw>
+                </a:effectLst>
+              </a14:hiddenEffects>
+            </a:ext>
+          </a:extLst>
+        </p:spPr>
+      </p:pic>
     </p:spTree>
   </p:cSld>
   <p:clrMapOvr>
     <a:masterClrMapping/>
   </p:clrMapOvr>
+  <p:timing>
+    <p:tnLst>
+      <p:par>
+        <p:cTn id="1" dur="indefinite" restart="never" nodeType="tmRoot">
+          <p:childTnLst>
+            <p:seq concurrent="1" nextAc="seek">
+              <p:cTn id="2" dur="indefinite" nodeType="mainSeq">
+                <p:childTnLst>
+                  <p:par>
+                    <p:cTn id="3" fill="hold" nodeType="clickPar">
+                      <p:stCondLst>
+                        <p:cond delay="indefinite"/>
+                      </p:stCondLst>
+                      <p:childTnLst>
+                        <p:par>
+                          <p:cTn id="4" fill="hold" nodeType="withGroup">
+                            <p:stCondLst>
+                              <p:cond delay="0"/>
+                            </p:stCondLst>
+                            <p:childTnLst>
+                              <p:par>
+                                <p:cTn id="5" presetID="10" presetClass="entr" presetSubtype="0" fill="hold" nodeType="clickEffect">
+                                  <p:stCondLst>
+                                    <p:cond delay="0"/>
+                                  </p:stCondLst>
+                                  <p:childTnLst>
+                                    <p:set>
+                                      <p:cBhvr>
+                                        <p:cTn id="6" dur="1" fill="hold">
+                                          <p:stCondLst>
+                                            <p:cond delay="0"/>
+                                          </p:stCondLst>
+                                        </p:cTn>
+                                        <p:tgtEl>
+                                          <p:spTgt spid="1041411"/>
+                                        </p:tgtEl>
+                                        <p:attrNameLst>
+                                          <p:attrName>style.visibility</p:attrName>
+                                        </p:attrNameLst>
+                                      </p:cBhvr>
+                                      <p:to>
+                                        <p:strVal val="visible"/>
+                                      </p:to>
+                                    </p:set>
+                                    <p:animEffect transition="in" filter="fade">
+                                      <p:cBhvr>
+                                        <p:cTn id="7" dur="500"/>
+                                        <p:tgtEl>
+                                          <p:spTgt spid="1041411"/>
+                                        </p:tgtEl>
+                                      </p:cBhvr>
+                                    </p:animEffect>
+                                  </p:childTnLst>
+                                </p:cTn>
+                              </p:par>
+                            </p:childTnLst>
+                          </p:cTn>
+                        </p:par>
+                      </p:childTnLst>
+                    </p:cTn>
+                  </p:par>
+                </p:childTnLst>
+              </p:cTn>
+              <p:prevCondLst>
+                <p:cond evt="onPrev" delay="0">
+                  <p:tgtEl>
+                    <p:sldTgt/>
+                  </p:tgtEl>
+                </p:cond>
+              </p:prevCondLst>
+              <p:nextCondLst>
+                <p:cond evt="onNext" delay="0">
+                  <p:tgtEl>
+                    <p:sldTgt/>
+                  </p:tgtEl>
+                </p:cond>
+              </p:nextCondLst>
+            </p:seq>
+          </p:childTnLst>
+        </p:cTn>
+      </p:par>
+    </p:tnLst>
+  </p:timing>
 </p:sld>
 </file>
 
